--- a/se_prog/slides/03_ControlStructures.pptx
+++ b/se_prog/slides/03_ControlStructures.pptx
@@ -18879,7 +18879,7 @@
                 <a14:useLocalDpi xmlns:a14="http://schemas.microsoft.com/office/drawing/2010/main" val="0"/>
               </a:ext>
               <a:ext uri="{96DAC541-7B7A-43D3-8B79-37D633B846F1}">
-                <asvg:svgBlip xmlns="" xmlns:asvg="http://schemas.microsoft.com/office/drawing/2016/SVG/main" r:embed="rId4"/>
+                <asvg:svgBlip xmlns:asvg="http://schemas.microsoft.com/office/drawing/2016/SVG/main" xmlns="" r:embed="rId4"/>
               </a:ext>
             </a:extLst>
           </a:blip>
@@ -22004,7 +22004,27 @@
                 <a:latin typeface="Consolas"/>
                 <a:cs typeface="+mn-cs"/>
               </a:rPr>
-              <a:t>// Konstante -&gt; </a:t>
+              <a:t>// </a:t>
+            </a:r>
+            <a:r>
+              <a:rPr lang="de-DE" sz="1400" i="1" dirty="0" smtClean="0">
+                <a:solidFill>
+                  <a:srgbClr val="3F7F5F"/>
+                </a:solidFill>
+                <a:latin typeface="Consolas"/>
+                <a:cs typeface="+mn-cs"/>
+              </a:rPr>
+              <a:t>Constant </a:t>
+            </a:r>
+            <a:r>
+              <a:rPr lang="de-DE" sz="1400" i="1" dirty="0">
+                <a:solidFill>
+                  <a:srgbClr val="3F7F5F"/>
+                </a:solidFill>
+                <a:latin typeface="Consolas"/>
+                <a:cs typeface="+mn-cs"/>
+              </a:rPr>
+              <a:t>-&gt; </a:t>
             </a:r>
             <a:r>
               <a:rPr lang="de-DE" sz="1400" i="1" u="sng" dirty="0">
@@ -22200,44 +22220,14 @@
               <a:t>// </a:t>
             </a:r>
             <a:r>
-              <a:rPr lang="en-US" sz="1400" i="1" dirty="0" err="1">
+              <a:rPr lang="en-US" sz="1400" i="1" dirty="0" smtClean="0">
                 <a:solidFill>
                   <a:srgbClr val="3F7F5F"/>
                 </a:solidFill>
                 <a:latin typeface="Consolas"/>
                 <a:cs typeface="+mn-cs"/>
               </a:rPr>
-              <a:t>Konstanter</a:t>
-            </a:r>
-            <a:r>
-              <a:rPr lang="en-US" sz="1400" i="1" dirty="0">
-                <a:solidFill>
-                  <a:srgbClr val="3F7F5F"/>
-                </a:solidFill>
-                <a:latin typeface="Consolas"/>
-                <a:cs typeface="+mn-cs"/>
-              </a:rPr>
-              <a:t> </a:t>
-            </a:r>
-            <a:r>
-              <a:rPr lang="en-US" sz="1400" i="1" dirty="0" err="1">
-                <a:solidFill>
-                  <a:srgbClr val="3F7F5F"/>
-                </a:solidFill>
-                <a:latin typeface="Consolas"/>
-                <a:cs typeface="+mn-cs"/>
-              </a:rPr>
-              <a:t>Ausdruck</a:t>
-            </a:r>
-            <a:r>
-              <a:rPr lang="en-US" sz="1400" i="1" dirty="0">
-                <a:solidFill>
-                  <a:srgbClr val="3F7F5F"/>
-                </a:solidFill>
-                <a:latin typeface="Consolas"/>
-                <a:cs typeface="+mn-cs"/>
-              </a:rPr>
-              <a:t> -&gt; </a:t>
+              <a:t>Constant expression -&gt; </a:t>
             </a:r>
             <a:r>
               <a:rPr lang="en-US" sz="1400" i="1" u="sng" dirty="0">
@@ -22453,74 +22443,24 @@
               <a:t>// </a:t>
             </a:r>
             <a:r>
-              <a:rPr lang="en-US" sz="1400" i="1" dirty="0" err="1">
+              <a:rPr lang="en-US" sz="1400" i="1" dirty="0" smtClean="0">
                 <a:solidFill>
                   <a:srgbClr val="3F7F5F"/>
                 </a:solidFill>
                 <a:latin typeface="Consolas"/>
                 <a:cs typeface="+mn-cs"/>
               </a:rPr>
-              <a:t>Fehler</a:t>
-            </a:r>
-            <a:r>
-              <a:rPr lang="en-US" sz="1400" i="1" dirty="0">
+              <a:t>Error: </a:t>
+            </a:r>
+            <a:r>
+              <a:rPr lang="en-US" sz="1400" i="1" dirty="0" smtClean="0">
                 <a:solidFill>
                   <a:srgbClr val="3F7F5F"/>
                 </a:solidFill>
                 <a:latin typeface="Consolas"/>
                 <a:cs typeface="+mn-cs"/>
               </a:rPr>
-              <a:t>: </a:t>
-            </a:r>
-            <a:r>
-              <a:rPr lang="en-US" sz="1400" i="1" dirty="0" err="1">
-                <a:solidFill>
-                  <a:srgbClr val="3F7F5F"/>
-                </a:solidFill>
-                <a:latin typeface="Consolas"/>
-                <a:cs typeface="+mn-cs"/>
-              </a:rPr>
-              <a:t>Kein</a:t>
-            </a:r>
-            <a:r>
-              <a:rPr lang="en-US" sz="1400" i="1" dirty="0">
-                <a:solidFill>
-                  <a:srgbClr val="3F7F5F"/>
-                </a:solidFill>
-                <a:latin typeface="Consolas"/>
-                <a:cs typeface="+mn-cs"/>
-              </a:rPr>
-              <a:t> </a:t>
-            </a:r>
-            <a:r>
-              <a:rPr lang="en-US" sz="1400" i="1" dirty="0" err="1">
-                <a:solidFill>
-                  <a:srgbClr val="3F7F5F"/>
-                </a:solidFill>
-                <a:latin typeface="Consolas"/>
-                <a:cs typeface="+mn-cs"/>
-              </a:rPr>
-              <a:t>konstanter</a:t>
-            </a:r>
-            <a:r>
-              <a:rPr lang="en-US" sz="1400" i="1" dirty="0">
-                <a:solidFill>
-                  <a:srgbClr val="3F7F5F"/>
-                </a:solidFill>
-                <a:latin typeface="Consolas"/>
-                <a:cs typeface="+mn-cs"/>
-              </a:rPr>
-              <a:t> </a:t>
-            </a:r>
-            <a:r>
-              <a:rPr lang="en-US" sz="1400" i="1" dirty="0" err="1">
-                <a:solidFill>
-                  <a:srgbClr val="3F7F5F"/>
-                </a:solidFill>
-                <a:latin typeface="Consolas"/>
-                <a:cs typeface="+mn-cs"/>
-              </a:rPr>
-              <a:t>Ausdruck</a:t>
+              <a:t>No constant expression</a:t>
             </a:r>
             <a:endParaRPr lang="en-US" sz="1400" i="1" dirty="0">
               <a:solidFill>
@@ -22833,7 +22773,7 @@
                 <a14:useLocalDpi xmlns:a14="http://schemas.microsoft.com/office/drawing/2010/main" val="0"/>
               </a:ext>
               <a:ext uri="{96DAC541-7B7A-43D3-8B79-37D633B846F1}">
-                <asvg:svgBlip xmlns="" xmlns:asvg="http://schemas.microsoft.com/office/drawing/2016/SVG/main" r:embed="rId5"/>
+                <asvg:svgBlip xmlns:asvg="http://schemas.microsoft.com/office/drawing/2016/SVG/main" xmlns="" r:embed="rId5"/>
               </a:ext>
             </a:extLst>
           </a:blip>
@@ -26355,7 +26295,7 @@
                 <a14:useLocalDpi xmlns:a14="http://schemas.microsoft.com/office/drawing/2010/main" val="0"/>
               </a:ext>
               <a:ext uri="{96DAC541-7B7A-43D3-8B79-37D633B846F1}">
-                <asvg:svgBlip xmlns="" xmlns:asvg="http://schemas.microsoft.com/office/drawing/2016/SVG/main" r:embed="rId5"/>
+                <asvg:svgBlip xmlns:asvg="http://schemas.microsoft.com/office/drawing/2016/SVG/main" xmlns="" r:embed="rId5"/>
               </a:ext>
             </a:extLst>
           </a:blip>
@@ -28936,7 +28876,7 @@
                 <a14:useLocalDpi xmlns:a14="http://schemas.microsoft.com/office/drawing/2010/main" val="0"/>
               </a:ext>
               <a:ext uri="{96DAC541-7B7A-43D3-8B79-37D633B846F1}">
-                <asvg:svgBlip xmlns="" xmlns:asvg="http://schemas.microsoft.com/office/drawing/2016/SVG/main" r:embed="rId5"/>
+                <asvg:svgBlip xmlns:asvg="http://schemas.microsoft.com/office/drawing/2016/SVG/main" xmlns="" r:embed="rId5"/>
               </a:ext>
             </a:extLst>
           </a:blip>
@@ -33821,7 +33761,7 @@
                 <a14:useLocalDpi xmlns:a14="http://schemas.microsoft.com/office/drawing/2010/main" val="0"/>
               </a:ext>
               <a:ext uri="{96DAC541-7B7A-43D3-8B79-37D633B846F1}">
-                <asvg:svgBlip xmlns="" xmlns:asvg="http://schemas.microsoft.com/office/drawing/2016/SVG/main" r:embed="rId5"/>
+                <asvg:svgBlip xmlns:asvg="http://schemas.microsoft.com/office/drawing/2016/SVG/main" xmlns="" r:embed="rId5"/>
               </a:ext>
             </a:extLst>
           </a:blip>
@@ -39940,7 +39880,7 @@
                 <a14:useLocalDpi xmlns:a14="http://schemas.microsoft.com/office/drawing/2010/main" val="0"/>
               </a:ext>
               <a:ext uri="{96DAC541-7B7A-43D3-8B79-37D633B846F1}">
-                <asvg:svgBlip xmlns="" xmlns:asvg="http://schemas.microsoft.com/office/drawing/2016/SVG/main" r:embed="rId4"/>
+                <asvg:svgBlip xmlns:asvg="http://schemas.microsoft.com/office/drawing/2016/SVG/main" xmlns="" r:embed="rId4"/>
               </a:ext>
             </a:extLst>
           </a:blip>
@@ -40688,7 +40628,7 @@
                 <a14:useLocalDpi xmlns:a14="http://schemas.microsoft.com/office/drawing/2010/main" val="0"/>
               </a:ext>
               <a:ext uri="{96DAC541-7B7A-43D3-8B79-37D633B846F1}">
-                <asvg:svgBlip xmlns="" xmlns:asvg="http://schemas.microsoft.com/office/drawing/2016/SVG/main" r:embed="rId4"/>
+                <asvg:svgBlip xmlns:asvg="http://schemas.microsoft.com/office/drawing/2016/SVG/main" xmlns="" r:embed="rId4"/>
               </a:ext>
             </a:extLst>
           </a:blip>
@@ -51549,7 +51489,7 @@
                 <a14:useLocalDpi xmlns:a14="http://schemas.microsoft.com/office/drawing/2010/main" val="0"/>
               </a:ext>
               <a:ext uri="{96DAC541-7B7A-43D3-8B79-37D633B846F1}">
-                <asvg:svgBlip xmlns="" xmlns:asvg="http://schemas.microsoft.com/office/drawing/2016/SVG/main" r:embed="rId4"/>
+                <asvg:svgBlip xmlns:asvg="http://schemas.microsoft.com/office/drawing/2016/SVG/main" xmlns="" r:embed="rId4"/>
               </a:ext>
             </a:extLst>
           </a:blip>
